--- a/Purchases/fisher_scientific_00/vials_order.pptx
+++ b/Purchases/fisher_scientific_00/vials_order.pptx
@@ -273,7 +273,7 @@
           <a:p>
             <a:fld id="{BD8CB62F-59FF-411B-B766-DC81EE91ADD8}" type="datetimeFigureOut">
               <a:rPr lang="en-GB" smtClean="0"/>
-              <a:t>22/11/2019</a:t>
+              <a:t>28/11/2019</a:t>
             </a:fld>
             <a:endParaRPr lang="en-GB"/>
           </a:p>
@@ -473,7 +473,7 @@
           <a:p>
             <a:fld id="{BD8CB62F-59FF-411B-B766-DC81EE91ADD8}" type="datetimeFigureOut">
               <a:rPr lang="en-GB" smtClean="0"/>
-              <a:t>22/11/2019</a:t>
+              <a:t>28/11/2019</a:t>
             </a:fld>
             <a:endParaRPr lang="en-GB"/>
           </a:p>
@@ -683,7 +683,7 @@
           <a:p>
             <a:fld id="{BD8CB62F-59FF-411B-B766-DC81EE91ADD8}" type="datetimeFigureOut">
               <a:rPr lang="en-GB" smtClean="0"/>
-              <a:t>22/11/2019</a:t>
+              <a:t>28/11/2019</a:t>
             </a:fld>
             <a:endParaRPr lang="en-GB"/>
           </a:p>
@@ -883,7 +883,7 @@
           <a:p>
             <a:fld id="{BD8CB62F-59FF-411B-B766-DC81EE91ADD8}" type="datetimeFigureOut">
               <a:rPr lang="en-GB" smtClean="0"/>
-              <a:t>22/11/2019</a:t>
+              <a:t>28/11/2019</a:t>
             </a:fld>
             <a:endParaRPr lang="en-GB"/>
           </a:p>
@@ -1159,7 +1159,7 @@
           <a:p>
             <a:fld id="{BD8CB62F-59FF-411B-B766-DC81EE91ADD8}" type="datetimeFigureOut">
               <a:rPr lang="en-GB" smtClean="0"/>
-              <a:t>22/11/2019</a:t>
+              <a:t>28/11/2019</a:t>
             </a:fld>
             <a:endParaRPr lang="en-GB"/>
           </a:p>
@@ -1427,7 +1427,7 @@
           <a:p>
             <a:fld id="{BD8CB62F-59FF-411B-B766-DC81EE91ADD8}" type="datetimeFigureOut">
               <a:rPr lang="en-GB" smtClean="0"/>
-              <a:t>22/11/2019</a:t>
+              <a:t>28/11/2019</a:t>
             </a:fld>
             <a:endParaRPr lang="en-GB"/>
           </a:p>
@@ -1842,7 +1842,7 @@
           <a:p>
             <a:fld id="{BD8CB62F-59FF-411B-B766-DC81EE91ADD8}" type="datetimeFigureOut">
               <a:rPr lang="en-GB" smtClean="0"/>
-              <a:t>22/11/2019</a:t>
+              <a:t>28/11/2019</a:t>
             </a:fld>
             <a:endParaRPr lang="en-GB"/>
           </a:p>
@@ -1984,7 +1984,7 @@
           <a:p>
             <a:fld id="{BD8CB62F-59FF-411B-B766-DC81EE91ADD8}" type="datetimeFigureOut">
               <a:rPr lang="en-GB" smtClean="0"/>
-              <a:t>22/11/2019</a:t>
+              <a:t>28/11/2019</a:t>
             </a:fld>
             <a:endParaRPr lang="en-GB"/>
           </a:p>
@@ -2097,7 +2097,7 @@
           <a:p>
             <a:fld id="{BD8CB62F-59FF-411B-B766-DC81EE91ADD8}" type="datetimeFigureOut">
               <a:rPr lang="en-GB" smtClean="0"/>
-              <a:t>22/11/2019</a:t>
+              <a:t>28/11/2019</a:t>
             </a:fld>
             <a:endParaRPr lang="en-GB"/>
           </a:p>
@@ -2410,7 +2410,7 @@
           <a:p>
             <a:fld id="{BD8CB62F-59FF-411B-B766-DC81EE91ADD8}" type="datetimeFigureOut">
               <a:rPr lang="en-GB" smtClean="0"/>
-              <a:t>22/11/2019</a:t>
+              <a:t>28/11/2019</a:t>
             </a:fld>
             <a:endParaRPr lang="en-GB"/>
           </a:p>
@@ -2699,7 +2699,7 @@
           <a:p>
             <a:fld id="{BD8CB62F-59FF-411B-B766-DC81EE91ADD8}" type="datetimeFigureOut">
               <a:rPr lang="en-GB" smtClean="0"/>
-              <a:t>22/11/2019</a:t>
+              <a:t>28/11/2019</a:t>
             </a:fld>
             <a:endParaRPr lang="en-GB"/>
           </a:p>
@@ -2942,7 +2942,7 @@
           <a:p>
             <a:fld id="{BD8CB62F-59FF-411B-B766-DC81EE91ADD8}" type="datetimeFigureOut">
               <a:rPr lang="en-GB" smtClean="0"/>
-              <a:t>22/11/2019</a:t>
+              <a:t>28/11/2019</a:t>
             </a:fld>
             <a:endParaRPr lang="en-GB"/>
           </a:p>
@@ -3669,7 +3669,19 @@
               <a:rPr lang="en-GB" sz="2400" dirty="0">
                 <a:latin typeface="Consolas" panose="020B0609020204030204" pitchFamily="49" charset="0"/>
               </a:rPr>
-              <a:t>Alcohols, acetone, ether, DMF, DMSO</a:t>
+              <a:t>a</a:t>
+            </a:r>
+            <a:r>
+              <a:rPr lang="en-GB" sz="2400">
+                <a:latin typeface="Consolas" panose="020B0609020204030204" pitchFamily="49" charset="0"/>
+              </a:rPr>
+              <a:t>lcohols</a:t>
+            </a:r>
+            <a:r>
+              <a:rPr lang="en-GB" sz="2400" dirty="0">
+                <a:latin typeface="Consolas" panose="020B0609020204030204" pitchFamily="49" charset="0"/>
+              </a:rPr>
+              <a:t>, acetone, ether, DMF, DMSO</a:t>
             </a:r>
           </a:p>
         </p:txBody>
@@ -3889,7 +3901,7 @@
               <a:rPr lang="en-GB" sz="2400" dirty="0">
                 <a:latin typeface="Consolas" panose="020B0609020204030204" pitchFamily="49" charset="0"/>
               </a:rPr>
-              <a:t>Alcohols, acetone, ether, DMF, DMSO</a:t>
+              <a:t>alcohols, acetone, ether, DMF, DMSO</a:t>
             </a:r>
           </a:p>
         </p:txBody>
